--- a/Presentation_Group8_Machine_Learning.pptx
+++ b/Presentation_Group8_Machine_Learning.pptx
@@ -315,7 +315,7 @@
           <a:p>
             <a:fld id="{25A8ABC2-8782-CC44-95D9-D40140A3BBA5}" type="datetimeFigureOut">
               <a:rPr lang="en-US" smtClean="0"/>
-              <a:t>11/8/2023</a:t>
+              <a:t>11/8/23</a:t>
             </a:fld>
             <a:endParaRPr lang="en-US"/>
           </a:p>
@@ -653,7 +653,7 @@
           <a:p>
             <a:fld id="{25A8ABC2-8782-CC44-95D9-D40140A3BBA5}" type="datetimeFigureOut">
               <a:rPr lang="en-US" smtClean="0"/>
-              <a:t>11/8/2023</a:t>
+              <a:t>11/8/23</a:t>
             </a:fld>
             <a:endParaRPr lang="en-US"/>
           </a:p>
@@ -1054,7 +1054,7 @@
           <a:p>
             <a:fld id="{25A8ABC2-8782-CC44-95D9-D40140A3BBA5}" type="datetimeFigureOut">
               <a:rPr lang="en-US" smtClean="0"/>
-              <a:t>11/8/2023</a:t>
+              <a:t>11/8/23</a:t>
             </a:fld>
             <a:endParaRPr lang="en-US"/>
           </a:p>
@@ -1390,7 +1390,7 @@
           <a:p>
             <a:fld id="{25A8ABC2-8782-CC44-95D9-D40140A3BBA5}" type="datetimeFigureOut">
               <a:rPr lang="en-US" smtClean="0"/>
-              <a:t>11/8/2023</a:t>
+              <a:t>11/8/23</a:t>
             </a:fld>
             <a:endParaRPr lang="en-US"/>
           </a:p>
@@ -1710,7 +1710,7 @@
           <a:p>
             <a:fld id="{25A8ABC2-8782-CC44-95D9-D40140A3BBA5}" type="datetimeFigureOut">
               <a:rPr lang="en-US" smtClean="0"/>
-              <a:t>11/8/2023</a:t>
+              <a:t>11/8/23</a:t>
             </a:fld>
             <a:endParaRPr lang="en-US"/>
           </a:p>
@@ -2106,7 +2106,7 @@
           <a:p>
             <a:fld id="{25A8ABC2-8782-CC44-95D9-D40140A3BBA5}" type="datetimeFigureOut">
               <a:rPr lang="en-US" smtClean="0"/>
-              <a:t>11/8/2023</a:t>
+              <a:t>11/8/23</a:t>
             </a:fld>
             <a:endParaRPr lang="en-US"/>
           </a:p>
@@ -2363,7 +2363,7 @@
           <a:p>
             <a:fld id="{25A8ABC2-8782-CC44-95D9-D40140A3BBA5}" type="datetimeFigureOut">
               <a:rPr lang="en-US" smtClean="0"/>
-              <a:t>11/8/2023</a:t>
+              <a:t>11/8/23</a:t>
             </a:fld>
             <a:endParaRPr lang="en-US"/>
           </a:p>
@@ -2625,7 +2625,7 @@
           <a:p>
             <a:fld id="{25A8ABC2-8782-CC44-95D9-D40140A3BBA5}" type="datetimeFigureOut">
               <a:rPr lang="en-US" smtClean="0"/>
-              <a:t>11/8/2023</a:t>
+              <a:t>11/8/23</a:t>
             </a:fld>
             <a:endParaRPr lang="en-US"/>
           </a:p>
@@ -2887,7 +2887,7 @@
           <a:p>
             <a:fld id="{25A8ABC2-8782-CC44-95D9-D40140A3BBA5}" type="datetimeFigureOut">
               <a:rPr lang="en-US" smtClean="0"/>
-              <a:t>11/8/2023</a:t>
+              <a:t>11/8/23</a:t>
             </a:fld>
             <a:endParaRPr lang="en-US"/>
           </a:p>
@@ -3216,7 +3216,7 @@
           <a:p>
             <a:fld id="{25A8ABC2-8782-CC44-95D9-D40140A3BBA5}" type="datetimeFigureOut">
               <a:rPr lang="en-US" smtClean="0"/>
-              <a:t>11/8/2023</a:t>
+              <a:t>11/8/23</a:t>
             </a:fld>
             <a:endParaRPr lang="en-US"/>
           </a:p>
@@ -3539,7 +3539,7 @@
           <a:p>
             <a:fld id="{25A8ABC2-8782-CC44-95D9-D40140A3BBA5}" type="datetimeFigureOut">
               <a:rPr lang="en-US" smtClean="0"/>
-              <a:t>11/8/2023</a:t>
+              <a:t>11/8/23</a:t>
             </a:fld>
             <a:endParaRPr lang="en-US"/>
           </a:p>
@@ -3996,7 +3996,7 @@
           <a:p>
             <a:fld id="{25A8ABC2-8782-CC44-95D9-D40140A3BBA5}" type="datetimeFigureOut">
               <a:rPr lang="en-US" smtClean="0"/>
-              <a:t>11/8/2023</a:t>
+              <a:t>11/8/23</a:t>
             </a:fld>
             <a:endParaRPr lang="en-US"/>
           </a:p>
@@ -4201,7 +4201,7 @@
           <a:p>
             <a:fld id="{25A8ABC2-8782-CC44-95D9-D40140A3BBA5}" type="datetimeFigureOut">
               <a:rPr lang="en-US" smtClean="0"/>
-              <a:t>11/8/2023</a:t>
+              <a:t>11/8/23</a:t>
             </a:fld>
             <a:endParaRPr lang="en-US"/>
           </a:p>
@@ -4378,7 +4378,7 @@
           <a:p>
             <a:fld id="{25A8ABC2-8782-CC44-95D9-D40140A3BBA5}" type="datetimeFigureOut">
               <a:rPr lang="en-US" smtClean="0"/>
-              <a:t>11/8/2023</a:t>
+              <a:t>11/8/23</a:t>
             </a:fld>
             <a:endParaRPr lang="en-US"/>
           </a:p>
@@ -4711,7 +4711,7 @@
           <a:p>
             <a:fld id="{25A8ABC2-8782-CC44-95D9-D40140A3BBA5}" type="datetimeFigureOut">
               <a:rPr lang="en-US" smtClean="0"/>
-              <a:t>11/8/2023</a:t>
+              <a:t>11/8/23</a:t>
             </a:fld>
             <a:endParaRPr lang="en-US"/>
           </a:p>
@@ -5056,7 +5056,7 @@
           <a:p>
             <a:fld id="{25A8ABC2-8782-CC44-95D9-D40140A3BBA5}" type="datetimeFigureOut">
               <a:rPr lang="en-US" smtClean="0"/>
-              <a:t>11/8/2023</a:t>
+              <a:t>11/8/23</a:t>
             </a:fld>
             <a:endParaRPr lang="en-US"/>
           </a:p>
@@ -7173,7 +7173,7 @@
           <a:p>
             <a:fld id="{25A8ABC2-8782-CC44-95D9-D40140A3BBA5}" type="datetimeFigureOut">
               <a:rPr lang="en-US" smtClean="0"/>
-              <a:t>11/8/2023</a:t>
+              <a:t>11/8/23</a:t>
             </a:fld>
             <a:endParaRPr lang="en-US"/>
           </a:p>
@@ -8470,8 +8470,8 @@
         </p:blipFill>
         <p:spPr>
           <a:xfrm>
-            <a:off x="6043598" y="2696066"/>
-            <a:ext cx="6003858" cy="3824066"/>
+            <a:off x="3133726" y="2568596"/>
+            <a:ext cx="6359066" cy="4050310"/>
           </a:xfrm>
           <a:prstGeom prst="rect">
             <a:avLst/>
@@ -8513,284 +8513,6 @@
               <a:rPr lang="en-US" sz="2400" dirty="0"/>
               <a:t>Input features relative importance using weights</a:t>
             </a:r>
-          </a:p>
-        </p:txBody>
-      </p:sp>
-      <p:sp>
-        <p:nvSpPr>
-          <p:cNvPr id="2" name="Content Placeholder 2">
-            <a:extLst>
-              <a:ext uri="{FF2B5EF4-FFF2-40B4-BE49-F238E27FC236}">
-                <a16:creationId xmlns:a16="http://schemas.microsoft.com/office/drawing/2014/main" id="{94DE7AE6-22D9-A0EA-D593-04F159F3C4E3}"/>
-              </a:ext>
-            </a:extLst>
-          </p:cNvPr>
-          <p:cNvSpPr txBox="1">
-            <a:spLocks/>
-          </p:cNvSpPr>
-          <p:nvPr/>
-        </p:nvSpPr>
-        <p:spPr>
-          <a:xfrm>
-            <a:off x="759557" y="3260888"/>
-            <a:ext cx="5336443" cy="2434544"/>
-          </a:xfrm>
-          <a:prstGeom prst="rect">
-            <a:avLst/>
-          </a:prstGeom>
-        </p:spPr>
-        <p:txBody>
-          <a:bodyPr vert="horz" lIns="91440" tIns="45720" rIns="91440" bIns="45720" rtlCol="0">
-            <a:normAutofit/>
-          </a:bodyPr>
-          <a:lstStyle>
-            <a:lvl1pPr marL="342900" indent="-342900" algn="l" defTabSz="457200" rtl="0" eaLnBrk="1" latinLnBrk="0" hangingPunct="1">
-              <a:spcBef>
-                <a:spcPts val="1000"/>
-              </a:spcBef>
-              <a:spcAft>
-                <a:spcPts val="0"/>
-              </a:spcAft>
-              <a:buClr>
-                <a:schemeClr val="accent1"/>
-              </a:buClr>
-              <a:buFont typeface="Wingdings 3" charset="2"/>
-              <a:buChar char=""/>
-              <a:defRPr sz="1800" kern="1200">
-                <a:solidFill>
-                  <a:schemeClr val="tx1">
-                    <a:lumMod val="75000"/>
-                    <a:lumOff val="25000"/>
-                  </a:schemeClr>
-                </a:solidFill>
-                <a:latin typeface="+mn-lt"/>
-                <a:ea typeface="+mn-ea"/>
-                <a:cs typeface="+mn-cs"/>
-              </a:defRPr>
-            </a:lvl1pPr>
-            <a:lvl2pPr marL="742950" indent="-285750" algn="l" defTabSz="457200" rtl="0" eaLnBrk="1" latinLnBrk="0" hangingPunct="1">
-              <a:spcBef>
-                <a:spcPts val="1000"/>
-              </a:spcBef>
-              <a:spcAft>
-                <a:spcPts val="0"/>
-              </a:spcAft>
-              <a:buClr>
-                <a:schemeClr val="accent1"/>
-              </a:buClr>
-              <a:buFont typeface="Wingdings 3" charset="2"/>
-              <a:buChar char=""/>
-              <a:defRPr sz="1600" kern="1200">
-                <a:solidFill>
-                  <a:schemeClr val="tx1">
-                    <a:lumMod val="75000"/>
-                    <a:lumOff val="25000"/>
-                  </a:schemeClr>
-                </a:solidFill>
-                <a:latin typeface="+mn-lt"/>
-                <a:ea typeface="+mn-ea"/>
-                <a:cs typeface="+mn-cs"/>
-              </a:defRPr>
-            </a:lvl2pPr>
-            <a:lvl3pPr marL="1143000" indent="-228600" algn="l" defTabSz="457200" rtl="0" eaLnBrk="1" latinLnBrk="0" hangingPunct="1">
-              <a:spcBef>
-                <a:spcPts val="1000"/>
-              </a:spcBef>
-              <a:spcAft>
-                <a:spcPts val="0"/>
-              </a:spcAft>
-              <a:buClr>
-                <a:schemeClr val="accent1"/>
-              </a:buClr>
-              <a:buFont typeface="Wingdings 3" charset="2"/>
-              <a:buChar char=""/>
-              <a:defRPr sz="1400" kern="1200">
-                <a:solidFill>
-                  <a:schemeClr val="tx1">
-                    <a:lumMod val="75000"/>
-                    <a:lumOff val="25000"/>
-                  </a:schemeClr>
-                </a:solidFill>
-                <a:latin typeface="+mn-lt"/>
-                <a:ea typeface="+mn-ea"/>
-                <a:cs typeface="+mn-cs"/>
-              </a:defRPr>
-            </a:lvl3pPr>
-            <a:lvl4pPr marL="1600200" indent="-228600" algn="l" defTabSz="457200" rtl="0" eaLnBrk="1" latinLnBrk="0" hangingPunct="1">
-              <a:spcBef>
-                <a:spcPts val="1000"/>
-              </a:spcBef>
-              <a:spcAft>
-                <a:spcPts val="0"/>
-              </a:spcAft>
-              <a:buClr>
-                <a:schemeClr val="accent1"/>
-              </a:buClr>
-              <a:buFont typeface="Wingdings 3" charset="2"/>
-              <a:buChar char=""/>
-              <a:defRPr sz="1200" kern="1200">
-                <a:solidFill>
-                  <a:schemeClr val="tx1">
-                    <a:lumMod val="75000"/>
-                    <a:lumOff val="25000"/>
-                  </a:schemeClr>
-                </a:solidFill>
-                <a:latin typeface="+mn-lt"/>
-                <a:ea typeface="+mn-ea"/>
-                <a:cs typeface="+mn-cs"/>
-              </a:defRPr>
-            </a:lvl4pPr>
-            <a:lvl5pPr marL="2057400" indent="-228600" algn="l" defTabSz="457200" rtl="0" eaLnBrk="1" latinLnBrk="0" hangingPunct="1">
-              <a:spcBef>
-                <a:spcPts val="1000"/>
-              </a:spcBef>
-              <a:spcAft>
-                <a:spcPts val="0"/>
-              </a:spcAft>
-              <a:buClr>
-                <a:schemeClr val="accent1"/>
-              </a:buClr>
-              <a:buFont typeface="Wingdings 3" charset="2"/>
-              <a:buChar char=""/>
-              <a:defRPr sz="1200" kern="1200">
-                <a:solidFill>
-                  <a:schemeClr val="tx1">
-                    <a:lumMod val="75000"/>
-                    <a:lumOff val="25000"/>
-                  </a:schemeClr>
-                </a:solidFill>
-                <a:latin typeface="+mn-lt"/>
-                <a:ea typeface="+mn-ea"/>
-                <a:cs typeface="+mn-cs"/>
-              </a:defRPr>
-            </a:lvl5pPr>
-            <a:lvl6pPr marL="2514600" indent="-228600" algn="l" defTabSz="457200" rtl="0" eaLnBrk="1" latinLnBrk="0" hangingPunct="1">
-              <a:spcBef>
-                <a:spcPts val="1000"/>
-              </a:spcBef>
-              <a:spcAft>
-                <a:spcPts val="0"/>
-              </a:spcAft>
-              <a:buClr>
-                <a:schemeClr val="accent1"/>
-              </a:buClr>
-              <a:buFont typeface="Wingdings 3" charset="2"/>
-              <a:buChar char=""/>
-              <a:defRPr sz="1200" kern="1200">
-                <a:solidFill>
-                  <a:schemeClr val="tx1">
-                    <a:lumMod val="75000"/>
-                    <a:lumOff val="25000"/>
-                  </a:schemeClr>
-                </a:solidFill>
-                <a:latin typeface="+mn-lt"/>
-                <a:ea typeface="+mn-ea"/>
-                <a:cs typeface="+mn-cs"/>
-              </a:defRPr>
-            </a:lvl6pPr>
-            <a:lvl7pPr marL="2971800" indent="-228600" algn="l" defTabSz="457200" rtl="0" eaLnBrk="1" latinLnBrk="0" hangingPunct="1">
-              <a:spcBef>
-                <a:spcPts val="1000"/>
-              </a:spcBef>
-              <a:spcAft>
-                <a:spcPts val="0"/>
-              </a:spcAft>
-              <a:buClr>
-                <a:schemeClr val="accent1"/>
-              </a:buClr>
-              <a:buFont typeface="Wingdings 3" charset="2"/>
-              <a:buChar char=""/>
-              <a:defRPr sz="1200" kern="1200">
-                <a:solidFill>
-                  <a:schemeClr val="tx1">
-                    <a:lumMod val="75000"/>
-                    <a:lumOff val="25000"/>
-                  </a:schemeClr>
-                </a:solidFill>
-                <a:latin typeface="+mn-lt"/>
-                <a:ea typeface="+mn-ea"/>
-                <a:cs typeface="+mn-cs"/>
-              </a:defRPr>
-            </a:lvl7pPr>
-            <a:lvl8pPr marL="3429000" indent="-228600" algn="l" defTabSz="457200" rtl="0" eaLnBrk="1" latinLnBrk="0" hangingPunct="1">
-              <a:spcBef>
-                <a:spcPts val="1000"/>
-              </a:spcBef>
-              <a:spcAft>
-                <a:spcPts val="0"/>
-              </a:spcAft>
-              <a:buClr>
-                <a:schemeClr val="accent1"/>
-              </a:buClr>
-              <a:buFont typeface="Wingdings 3" charset="2"/>
-              <a:buChar char=""/>
-              <a:defRPr sz="1200" kern="1200">
-                <a:solidFill>
-                  <a:schemeClr val="tx1">
-                    <a:lumMod val="75000"/>
-                    <a:lumOff val="25000"/>
-                  </a:schemeClr>
-                </a:solidFill>
-                <a:latin typeface="+mn-lt"/>
-                <a:ea typeface="+mn-ea"/>
-                <a:cs typeface="+mn-cs"/>
-              </a:defRPr>
-            </a:lvl8pPr>
-            <a:lvl9pPr marL="3886200" indent="-228600" algn="l" defTabSz="457200" rtl="0" eaLnBrk="1" latinLnBrk="0" hangingPunct="1">
-              <a:spcBef>
-                <a:spcPts val="1000"/>
-              </a:spcBef>
-              <a:spcAft>
-                <a:spcPts val="0"/>
-              </a:spcAft>
-              <a:buClr>
-                <a:schemeClr val="accent1"/>
-              </a:buClr>
-              <a:buFont typeface="Wingdings 3" charset="2"/>
-              <a:buChar char=""/>
-              <a:defRPr sz="1200" kern="1200">
-                <a:solidFill>
-                  <a:schemeClr val="tx1">
-                    <a:lumMod val="75000"/>
-                    <a:lumOff val="25000"/>
-                  </a:schemeClr>
-                </a:solidFill>
-                <a:latin typeface="+mn-lt"/>
-                <a:ea typeface="+mn-ea"/>
-                <a:cs typeface="+mn-cs"/>
-              </a:defRPr>
-            </a:lvl9pPr>
-          </a:lstStyle>
-          <a:p>
-            <a:r>
-              <a:rPr lang="en-US" dirty="0"/>
-              <a:t>Numerical features (6%, 5.2% and 5.7%)</a:t>
-            </a:r>
-          </a:p>
-          <a:p>
-            <a:r>
-              <a:rPr lang="en-US" dirty="0"/>
-              <a:t>Full time position – both features (3.8%)</a:t>
-            </a:r>
-          </a:p>
-          <a:p>
-            <a:r>
-              <a:rPr lang="en-US" dirty="0"/>
-              <a:t>Require Job training – both features (3.8%)</a:t>
-            </a:r>
-          </a:p>
-          <a:p>
-            <a:r>
-              <a:rPr lang="en-US" dirty="0"/>
-              <a:t>Require Experience – both features (4.23%)</a:t>
-            </a:r>
-          </a:p>
-          <a:p>
-            <a:r>
-              <a:rPr lang="en-US" dirty="0"/>
-              <a:t>Categorical features split into more than two features carry more variation  </a:t>
-            </a:r>
-            <a:endParaRPr lang="en-AU" dirty="0"/>
           </a:p>
         </p:txBody>
       </p:sp>
